--- a/Design_Automation/Slides/D-07-Synthesizability and FSM2.pptx
+++ b/Design_Automation/Slides/D-07-Synthesizability and FSM2.pptx
@@ -308,7 +308,7 @@
         <p:nvSpPr>
           <p:cNvPr id="4100" name="Rectangle 4"/>
           <p:cNvSpPr>
-            <a:spLocks noRot="1" noChangeArrowheads="1" noTextEdit="1"/>
+            <a:spLocks noGrp="1" noRot="1" noChangeAspect="1" noChangeArrowheads="1" noTextEdit="1"/>
           </p:cNvSpPr>
           <p:nvPr>
             <p:ph type="sldImg" idx="2"/>
@@ -820,7 +820,7 @@
         <p:nvSpPr>
           <p:cNvPr id="6147" name="Rectangle 2"/>
           <p:cNvSpPr>
-            <a:spLocks noRot="1" noChangeArrowheads="1" noTextEdit="1"/>
+            <a:spLocks noGrp="1" noRot="1" noChangeAspect="1" noChangeArrowheads="1" noTextEdit="1"/>
           </p:cNvSpPr>
           <p:nvPr>
             <p:ph type="sldImg"/>
@@ -12858,21 +12858,21 @@
                 <a:gridCol w="976335">
                   <a:extLst>
                     <a:ext uri="{9D8B030D-6E8A-4147-A177-3AD203B41FA5}">
-                      <a16:colId xmlns:a16="http://schemas.microsoft.com/office/drawing/2014/main" xmlns="" val="4287205703"/>
+                      <a16:colId xmlns="" xmlns:a16="http://schemas.microsoft.com/office/drawing/2014/main" val="4287205703"/>
                     </a:ext>
                   </a:extLst>
                 </a:gridCol>
                 <a:gridCol w="1826186">
                   <a:extLst>
                     <a:ext uri="{9D8B030D-6E8A-4147-A177-3AD203B41FA5}">
-                      <a16:colId xmlns:a16="http://schemas.microsoft.com/office/drawing/2014/main" xmlns="" val="713665235"/>
+                      <a16:colId xmlns="" xmlns:a16="http://schemas.microsoft.com/office/drawing/2014/main" val="713665235"/>
                     </a:ext>
                   </a:extLst>
                 </a:gridCol>
                 <a:gridCol w="821742">
                   <a:extLst>
                     <a:ext uri="{9D8B030D-6E8A-4147-A177-3AD203B41FA5}">
-                      <a16:colId xmlns:a16="http://schemas.microsoft.com/office/drawing/2014/main" xmlns="" val="1338667492"/>
+                      <a16:colId xmlns="" xmlns:a16="http://schemas.microsoft.com/office/drawing/2014/main" val="1338667492"/>
                     </a:ext>
                   </a:extLst>
                 </a:gridCol>
@@ -13161,7 +13161,7 @@
                 </a:tc>
                 <a:extLst>
                   <a:ext uri="{0D108BD9-81ED-4DB2-BD59-A6C34878D82A}">
-                    <a16:rowId xmlns:a16="http://schemas.microsoft.com/office/drawing/2014/main" xmlns="" val="3736997869"/>
+                    <a16:rowId xmlns="" xmlns:a16="http://schemas.microsoft.com/office/drawing/2014/main" val="3736997869"/>
                   </a:ext>
                 </a:extLst>
               </a:tr>
@@ -13396,7 +13396,7 @@
                 </a:tc>
                 <a:extLst>
                   <a:ext uri="{0D108BD9-81ED-4DB2-BD59-A6C34878D82A}">
-                    <a16:rowId xmlns:a16="http://schemas.microsoft.com/office/drawing/2014/main" xmlns="" val="856083323"/>
+                    <a16:rowId xmlns="" xmlns:a16="http://schemas.microsoft.com/office/drawing/2014/main" val="856083323"/>
                   </a:ext>
                 </a:extLst>
               </a:tr>
@@ -13631,7 +13631,7 @@
                 </a:tc>
                 <a:extLst>
                   <a:ext uri="{0D108BD9-81ED-4DB2-BD59-A6C34878D82A}">
-                    <a16:rowId xmlns:a16="http://schemas.microsoft.com/office/drawing/2014/main" xmlns="" val="2132104307"/>
+                    <a16:rowId xmlns="" xmlns:a16="http://schemas.microsoft.com/office/drawing/2014/main" val="2132104307"/>
                   </a:ext>
                 </a:extLst>
               </a:tr>
@@ -13866,7 +13866,7 @@
                 </a:tc>
                 <a:extLst>
                   <a:ext uri="{0D108BD9-81ED-4DB2-BD59-A6C34878D82A}">
-                    <a16:rowId xmlns:a16="http://schemas.microsoft.com/office/drawing/2014/main" xmlns="" val="1122652719"/>
+                    <a16:rowId xmlns="" xmlns:a16="http://schemas.microsoft.com/office/drawing/2014/main" val="1122652719"/>
                   </a:ext>
                 </a:extLst>
               </a:tr>
@@ -14101,7 +14101,7 @@
                 </a:tc>
                 <a:extLst>
                   <a:ext uri="{0D108BD9-81ED-4DB2-BD59-A6C34878D82A}">
-                    <a16:rowId xmlns:a16="http://schemas.microsoft.com/office/drawing/2014/main" xmlns="" val="2697639945"/>
+                    <a16:rowId xmlns="" xmlns:a16="http://schemas.microsoft.com/office/drawing/2014/main" val="2697639945"/>
                   </a:ext>
                 </a:extLst>
               </a:tr>
@@ -14336,7 +14336,7 @@
                 </a:tc>
                 <a:extLst>
                   <a:ext uri="{0D108BD9-81ED-4DB2-BD59-A6C34878D82A}">
-                    <a16:rowId xmlns:a16="http://schemas.microsoft.com/office/drawing/2014/main" xmlns="" val="3542848726"/>
+                    <a16:rowId xmlns="" xmlns:a16="http://schemas.microsoft.com/office/drawing/2014/main" val="3542848726"/>
                   </a:ext>
                 </a:extLst>
               </a:tr>
@@ -14571,7 +14571,7 @@
                 </a:tc>
                 <a:extLst>
                   <a:ext uri="{0D108BD9-81ED-4DB2-BD59-A6C34878D82A}">
-                    <a16:rowId xmlns:a16="http://schemas.microsoft.com/office/drawing/2014/main" xmlns="" val="2700009170"/>
+                    <a16:rowId xmlns="" xmlns:a16="http://schemas.microsoft.com/office/drawing/2014/main" val="2700009170"/>
                   </a:ext>
                 </a:extLst>
               </a:tr>
@@ -14806,7 +14806,7 @@
                 </a:tc>
                 <a:extLst>
                   <a:ext uri="{0D108BD9-81ED-4DB2-BD59-A6C34878D82A}">
-                    <a16:rowId xmlns:a16="http://schemas.microsoft.com/office/drawing/2014/main" xmlns="" val="3875739909"/>
+                    <a16:rowId xmlns="" xmlns:a16="http://schemas.microsoft.com/office/drawing/2014/main" val="3875739909"/>
                   </a:ext>
                 </a:extLst>
               </a:tr>
@@ -15041,7 +15041,7 @@
                 </a:tc>
                 <a:extLst>
                   <a:ext uri="{0D108BD9-81ED-4DB2-BD59-A6C34878D82A}">
-                    <a16:rowId xmlns:a16="http://schemas.microsoft.com/office/drawing/2014/main" xmlns="" val="80960406"/>
+                    <a16:rowId xmlns="" xmlns:a16="http://schemas.microsoft.com/office/drawing/2014/main" val="80960406"/>
                   </a:ext>
                 </a:extLst>
               </a:tr>
@@ -15069,21 +15069,21 @@
                 <a:gridCol w="1710631">
                   <a:extLst>
                     <a:ext uri="{9D8B030D-6E8A-4147-A177-3AD203B41FA5}">
-                      <a16:colId xmlns:a16="http://schemas.microsoft.com/office/drawing/2014/main" xmlns="" val="3194768418"/>
+                      <a16:colId xmlns="" xmlns:a16="http://schemas.microsoft.com/office/drawing/2014/main" val="3194768418"/>
                     </a:ext>
                   </a:extLst>
                 </a:gridCol>
                 <a:gridCol w="1033908">
                   <a:extLst>
                     <a:ext uri="{9D8B030D-6E8A-4147-A177-3AD203B41FA5}">
-                      <a16:colId xmlns:a16="http://schemas.microsoft.com/office/drawing/2014/main" xmlns="" val="2527455898"/>
+                      <a16:colId xmlns="" xmlns:a16="http://schemas.microsoft.com/office/drawing/2014/main" val="2527455898"/>
                     </a:ext>
                   </a:extLst>
                 </a:gridCol>
                 <a:gridCol w="870199">
                   <a:extLst>
                     <a:ext uri="{9D8B030D-6E8A-4147-A177-3AD203B41FA5}">
-                      <a16:colId xmlns:a16="http://schemas.microsoft.com/office/drawing/2014/main" xmlns="" val="2077611826"/>
+                      <a16:colId xmlns="" xmlns:a16="http://schemas.microsoft.com/office/drawing/2014/main" val="2077611826"/>
                     </a:ext>
                   </a:extLst>
                 </a:gridCol>
@@ -15372,7 +15372,7 @@
                 </a:tc>
                 <a:extLst>
                   <a:ext uri="{0D108BD9-81ED-4DB2-BD59-A6C34878D82A}">
-                    <a16:rowId xmlns:a16="http://schemas.microsoft.com/office/drawing/2014/main" xmlns="" val="2293855562"/>
+                    <a16:rowId xmlns="" xmlns:a16="http://schemas.microsoft.com/office/drawing/2014/main" val="2293855562"/>
                   </a:ext>
                 </a:extLst>
               </a:tr>
@@ -15607,7 +15607,7 @@
                 </a:tc>
                 <a:extLst>
                   <a:ext uri="{0D108BD9-81ED-4DB2-BD59-A6C34878D82A}">
-                    <a16:rowId xmlns:a16="http://schemas.microsoft.com/office/drawing/2014/main" xmlns="" val="3077163051"/>
+                    <a16:rowId xmlns="" xmlns:a16="http://schemas.microsoft.com/office/drawing/2014/main" val="3077163051"/>
                   </a:ext>
                 </a:extLst>
               </a:tr>
@@ -15842,7 +15842,7 @@
                 </a:tc>
                 <a:extLst>
                   <a:ext uri="{0D108BD9-81ED-4DB2-BD59-A6C34878D82A}">
-                    <a16:rowId xmlns:a16="http://schemas.microsoft.com/office/drawing/2014/main" xmlns="" val="2219979495"/>
+                    <a16:rowId xmlns="" xmlns:a16="http://schemas.microsoft.com/office/drawing/2014/main" val="2219979495"/>
                   </a:ext>
                 </a:extLst>
               </a:tr>
@@ -16077,7 +16077,7 @@
                 </a:tc>
                 <a:extLst>
                   <a:ext uri="{0D108BD9-81ED-4DB2-BD59-A6C34878D82A}">
-                    <a16:rowId xmlns:a16="http://schemas.microsoft.com/office/drawing/2014/main" xmlns="" val="4230617561"/>
+                    <a16:rowId xmlns="" xmlns:a16="http://schemas.microsoft.com/office/drawing/2014/main" val="4230617561"/>
                   </a:ext>
                 </a:extLst>
               </a:tr>
@@ -16312,7 +16312,7 @@
                 </a:tc>
                 <a:extLst>
                   <a:ext uri="{0D108BD9-81ED-4DB2-BD59-A6C34878D82A}">
-                    <a16:rowId xmlns:a16="http://schemas.microsoft.com/office/drawing/2014/main" xmlns="" val="3465114763"/>
+                    <a16:rowId xmlns="" xmlns:a16="http://schemas.microsoft.com/office/drawing/2014/main" val="3465114763"/>
                   </a:ext>
                 </a:extLst>
               </a:tr>
@@ -16547,7 +16547,7 @@
                 </a:tc>
                 <a:extLst>
                   <a:ext uri="{0D108BD9-81ED-4DB2-BD59-A6C34878D82A}">
-                    <a16:rowId xmlns:a16="http://schemas.microsoft.com/office/drawing/2014/main" xmlns="" val="686497364"/>
+                    <a16:rowId xmlns="" xmlns:a16="http://schemas.microsoft.com/office/drawing/2014/main" val="686497364"/>
                   </a:ext>
                 </a:extLst>
               </a:tr>
@@ -16782,7 +16782,7 @@
                 </a:tc>
                 <a:extLst>
                   <a:ext uri="{0D108BD9-81ED-4DB2-BD59-A6C34878D82A}">
-                    <a16:rowId xmlns:a16="http://schemas.microsoft.com/office/drawing/2014/main" xmlns="" val="292575995"/>
+                    <a16:rowId xmlns="" xmlns:a16="http://schemas.microsoft.com/office/drawing/2014/main" val="292575995"/>
                   </a:ext>
                 </a:extLst>
               </a:tr>
@@ -17017,7 +17017,7 @@
                 </a:tc>
                 <a:extLst>
                   <a:ext uri="{0D108BD9-81ED-4DB2-BD59-A6C34878D82A}">
-                    <a16:rowId xmlns:a16="http://schemas.microsoft.com/office/drawing/2014/main" xmlns="" val="3395861478"/>
+                    <a16:rowId xmlns="" xmlns:a16="http://schemas.microsoft.com/office/drawing/2014/main" val="3395861478"/>
                   </a:ext>
                 </a:extLst>
               </a:tr>
@@ -17252,7 +17252,7 @@
                 </a:tc>
                 <a:extLst>
                   <a:ext uri="{0D108BD9-81ED-4DB2-BD59-A6C34878D82A}">
-                    <a16:rowId xmlns:a16="http://schemas.microsoft.com/office/drawing/2014/main" xmlns="" val="1807688523"/>
+                    <a16:rowId xmlns="" xmlns:a16="http://schemas.microsoft.com/office/drawing/2014/main" val="1807688523"/>
                   </a:ext>
                 </a:extLst>
               </a:tr>
@@ -17748,21 +17748,21 @@
                 <a:gridCol w="1780467">
                   <a:extLst>
                     <a:ext uri="{9D8B030D-6E8A-4147-A177-3AD203B41FA5}">
-                      <a16:colId xmlns:a16="http://schemas.microsoft.com/office/drawing/2014/main" xmlns="" val="3256545348"/>
+                      <a16:colId xmlns="" xmlns:a16="http://schemas.microsoft.com/office/drawing/2014/main" val="3256545348"/>
                     </a:ext>
                   </a:extLst>
                 </a:gridCol>
                 <a:gridCol w="1688161">
                   <a:extLst>
                     <a:ext uri="{9D8B030D-6E8A-4147-A177-3AD203B41FA5}">
-                      <a16:colId xmlns:a16="http://schemas.microsoft.com/office/drawing/2014/main" xmlns="" val="450273076"/>
+                      <a16:colId xmlns="" xmlns:a16="http://schemas.microsoft.com/office/drawing/2014/main" val="450273076"/>
                     </a:ext>
                   </a:extLst>
                 </a:gridCol>
                 <a:gridCol w="1225609">
                   <a:extLst>
                     <a:ext uri="{9D8B030D-6E8A-4147-A177-3AD203B41FA5}">
-                      <a16:colId xmlns:a16="http://schemas.microsoft.com/office/drawing/2014/main" xmlns="" val="510485494"/>
+                      <a16:colId xmlns="" xmlns:a16="http://schemas.microsoft.com/office/drawing/2014/main" val="510485494"/>
                     </a:ext>
                   </a:extLst>
                 </a:gridCol>
@@ -18051,7 +18051,7 @@
                 </a:tc>
                 <a:extLst>
                   <a:ext uri="{0D108BD9-81ED-4DB2-BD59-A6C34878D82A}">
-                    <a16:rowId xmlns:a16="http://schemas.microsoft.com/office/drawing/2014/main" xmlns="" val="1480707080"/>
+                    <a16:rowId xmlns="" xmlns:a16="http://schemas.microsoft.com/office/drawing/2014/main" val="1480707080"/>
                   </a:ext>
                 </a:extLst>
               </a:tr>
@@ -18286,7 +18286,7 @@
                 </a:tc>
                 <a:extLst>
                   <a:ext uri="{0D108BD9-81ED-4DB2-BD59-A6C34878D82A}">
-                    <a16:rowId xmlns:a16="http://schemas.microsoft.com/office/drawing/2014/main" xmlns="" val="472530008"/>
+                    <a16:rowId xmlns="" xmlns:a16="http://schemas.microsoft.com/office/drawing/2014/main" val="472530008"/>
                   </a:ext>
                 </a:extLst>
               </a:tr>
@@ -18521,7 +18521,7 @@
                 </a:tc>
                 <a:extLst>
                   <a:ext uri="{0D108BD9-81ED-4DB2-BD59-A6C34878D82A}">
-                    <a16:rowId xmlns:a16="http://schemas.microsoft.com/office/drawing/2014/main" xmlns="" val="899589518"/>
+                    <a16:rowId xmlns="" xmlns:a16="http://schemas.microsoft.com/office/drawing/2014/main" val="899589518"/>
                   </a:ext>
                 </a:extLst>
               </a:tr>
@@ -18756,7 +18756,7 @@
                 </a:tc>
                 <a:extLst>
                   <a:ext uri="{0D108BD9-81ED-4DB2-BD59-A6C34878D82A}">
-                    <a16:rowId xmlns:a16="http://schemas.microsoft.com/office/drawing/2014/main" xmlns="" val="3194386291"/>
+                    <a16:rowId xmlns="" xmlns:a16="http://schemas.microsoft.com/office/drawing/2014/main" val="3194386291"/>
                   </a:ext>
                 </a:extLst>
               </a:tr>
@@ -18991,7 +18991,7 @@
                 </a:tc>
                 <a:extLst>
                   <a:ext uri="{0D108BD9-81ED-4DB2-BD59-A6C34878D82A}">
-                    <a16:rowId xmlns:a16="http://schemas.microsoft.com/office/drawing/2014/main" xmlns="" val="32794296"/>
+                    <a16:rowId xmlns="" xmlns:a16="http://schemas.microsoft.com/office/drawing/2014/main" val="32794296"/>
                   </a:ext>
                 </a:extLst>
               </a:tr>
@@ -19226,7 +19226,7 @@
                 </a:tc>
                 <a:extLst>
                   <a:ext uri="{0D108BD9-81ED-4DB2-BD59-A6C34878D82A}">
-                    <a16:rowId xmlns:a16="http://schemas.microsoft.com/office/drawing/2014/main" xmlns="" val="73572752"/>
+                    <a16:rowId xmlns="" xmlns:a16="http://schemas.microsoft.com/office/drawing/2014/main" val="73572752"/>
                   </a:ext>
                 </a:extLst>
               </a:tr>
@@ -19461,7 +19461,7 @@
                 </a:tc>
                 <a:extLst>
                   <a:ext uri="{0D108BD9-81ED-4DB2-BD59-A6C34878D82A}">
-                    <a16:rowId xmlns:a16="http://schemas.microsoft.com/office/drawing/2014/main" xmlns="" val="232352526"/>
+                    <a16:rowId xmlns="" xmlns:a16="http://schemas.microsoft.com/office/drawing/2014/main" val="232352526"/>
                   </a:ext>
                 </a:extLst>
               </a:tr>
@@ -19696,7 +19696,7 @@
                 </a:tc>
                 <a:extLst>
                   <a:ext uri="{0D108BD9-81ED-4DB2-BD59-A6C34878D82A}">
-                    <a16:rowId xmlns:a16="http://schemas.microsoft.com/office/drawing/2014/main" xmlns="" val="3024078968"/>
+                    <a16:rowId xmlns="" xmlns:a16="http://schemas.microsoft.com/office/drawing/2014/main" val="3024078968"/>
                   </a:ext>
                 </a:extLst>
               </a:tr>
@@ -19931,7 +19931,7 @@
                 </a:tc>
                 <a:extLst>
                   <a:ext uri="{0D108BD9-81ED-4DB2-BD59-A6C34878D82A}">
-                    <a16:rowId xmlns:a16="http://schemas.microsoft.com/office/drawing/2014/main" xmlns="" val="90000919"/>
+                    <a16:rowId xmlns="" xmlns:a16="http://schemas.microsoft.com/office/drawing/2014/main" val="90000919"/>
                   </a:ext>
                 </a:extLst>
               </a:tr>
@@ -19959,21 +19959,21 @@
                 <a:gridCol w="1710631">
                   <a:extLst>
                     <a:ext uri="{9D8B030D-6E8A-4147-A177-3AD203B41FA5}">
-                      <a16:colId xmlns:a16="http://schemas.microsoft.com/office/drawing/2014/main" xmlns="" val="3194768418"/>
+                      <a16:colId xmlns="" xmlns:a16="http://schemas.microsoft.com/office/drawing/2014/main" val="3194768418"/>
                     </a:ext>
                   </a:extLst>
                 </a:gridCol>
                 <a:gridCol w="1033908">
                   <a:extLst>
                     <a:ext uri="{9D8B030D-6E8A-4147-A177-3AD203B41FA5}">
-                      <a16:colId xmlns:a16="http://schemas.microsoft.com/office/drawing/2014/main" xmlns="" val="2527455898"/>
+                      <a16:colId xmlns="" xmlns:a16="http://schemas.microsoft.com/office/drawing/2014/main" val="2527455898"/>
                     </a:ext>
                   </a:extLst>
                 </a:gridCol>
                 <a:gridCol w="870199">
                   <a:extLst>
                     <a:ext uri="{9D8B030D-6E8A-4147-A177-3AD203B41FA5}">
-                      <a16:colId xmlns:a16="http://schemas.microsoft.com/office/drawing/2014/main" xmlns="" val="2077611826"/>
+                      <a16:colId xmlns="" xmlns:a16="http://schemas.microsoft.com/office/drawing/2014/main" val="2077611826"/>
                     </a:ext>
                   </a:extLst>
                 </a:gridCol>
@@ -20271,7 +20271,7 @@
                 </a:tc>
                 <a:extLst>
                   <a:ext uri="{0D108BD9-81ED-4DB2-BD59-A6C34878D82A}">
-                    <a16:rowId xmlns:a16="http://schemas.microsoft.com/office/drawing/2014/main" xmlns="" val="2293855562"/>
+                    <a16:rowId xmlns="" xmlns:a16="http://schemas.microsoft.com/office/drawing/2014/main" val="2293855562"/>
                   </a:ext>
                 </a:extLst>
               </a:tr>
@@ -20506,7 +20506,7 @@
                 </a:tc>
                 <a:extLst>
                   <a:ext uri="{0D108BD9-81ED-4DB2-BD59-A6C34878D82A}">
-                    <a16:rowId xmlns:a16="http://schemas.microsoft.com/office/drawing/2014/main" xmlns="" val="3077163051"/>
+                    <a16:rowId xmlns="" xmlns:a16="http://schemas.microsoft.com/office/drawing/2014/main" val="3077163051"/>
                   </a:ext>
                 </a:extLst>
               </a:tr>
@@ -20741,7 +20741,7 @@
                 </a:tc>
                 <a:extLst>
                   <a:ext uri="{0D108BD9-81ED-4DB2-BD59-A6C34878D82A}">
-                    <a16:rowId xmlns:a16="http://schemas.microsoft.com/office/drawing/2014/main" xmlns="" val="2219979495"/>
+                    <a16:rowId xmlns="" xmlns:a16="http://schemas.microsoft.com/office/drawing/2014/main" val="2219979495"/>
                   </a:ext>
                 </a:extLst>
               </a:tr>
@@ -20976,7 +20976,7 @@
                 </a:tc>
                 <a:extLst>
                   <a:ext uri="{0D108BD9-81ED-4DB2-BD59-A6C34878D82A}">
-                    <a16:rowId xmlns:a16="http://schemas.microsoft.com/office/drawing/2014/main" xmlns="" val="4230617561"/>
+                    <a16:rowId xmlns="" xmlns:a16="http://schemas.microsoft.com/office/drawing/2014/main" val="4230617561"/>
                   </a:ext>
                 </a:extLst>
               </a:tr>
@@ -21211,7 +21211,7 @@
                 </a:tc>
                 <a:extLst>
                   <a:ext uri="{0D108BD9-81ED-4DB2-BD59-A6C34878D82A}">
-                    <a16:rowId xmlns:a16="http://schemas.microsoft.com/office/drawing/2014/main" xmlns="" val="3465114763"/>
+                    <a16:rowId xmlns="" xmlns:a16="http://schemas.microsoft.com/office/drawing/2014/main" val="3465114763"/>
                   </a:ext>
                 </a:extLst>
               </a:tr>
@@ -21446,7 +21446,7 @@
                 </a:tc>
                 <a:extLst>
                   <a:ext uri="{0D108BD9-81ED-4DB2-BD59-A6C34878D82A}">
-                    <a16:rowId xmlns:a16="http://schemas.microsoft.com/office/drawing/2014/main" xmlns="" val="686497364"/>
+                    <a16:rowId xmlns="" xmlns:a16="http://schemas.microsoft.com/office/drawing/2014/main" val="686497364"/>
                   </a:ext>
                 </a:extLst>
               </a:tr>
@@ -21681,7 +21681,7 @@
                 </a:tc>
                 <a:extLst>
                   <a:ext uri="{0D108BD9-81ED-4DB2-BD59-A6C34878D82A}">
-                    <a16:rowId xmlns:a16="http://schemas.microsoft.com/office/drawing/2014/main" xmlns="" val="292575995"/>
+                    <a16:rowId xmlns="" xmlns:a16="http://schemas.microsoft.com/office/drawing/2014/main" val="292575995"/>
                   </a:ext>
                 </a:extLst>
               </a:tr>
@@ -21916,7 +21916,7 @@
                 </a:tc>
                 <a:extLst>
                   <a:ext uri="{0D108BD9-81ED-4DB2-BD59-A6C34878D82A}">
-                    <a16:rowId xmlns:a16="http://schemas.microsoft.com/office/drawing/2014/main" xmlns="" val="3395861478"/>
+                    <a16:rowId xmlns="" xmlns:a16="http://schemas.microsoft.com/office/drawing/2014/main" val="3395861478"/>
                   </a:ext>
                 </a:extLst>
               </a:tr>
@@ -22151,7 +22151,7 @@
                 </a:tc>
                 <a:extLst>
                   <a:ext uri="{0D108BD9-81ED-4DB2-BD59-A6C34878D82A}">
-                    <a16:rowId xmlns:a16="http://schemas.microsoft.com/office/drawing/2014/main" xmlns="" val="1807688523"/>
+                    <a16:rowId xmlns="" xmlns:a16="http://schemas.microsoft.com/office/drawing/2014/main" val="1807688523"/>
                   </a:ext>
                 </a:extLst>
               </a:tr>
@@ -31693,88 +31693,96 @@
           <a:lstStyle/>
           <a:p>
             <a:r>
-              <a:rPr lang="en-US" altLang="en-US" smtClean="0"/>
+              <a:rPr lang="en-US" altLang="en-US" dirty="0" smtClean="0"/>
               <a:t>synchronizer</a:t>
             </a:r>
-            <a:endParaRPr lang="fa-IR" altLang="en-US" smtClean="0"/>
+            <a:endParaRPr lang="fa-IR" altLang="en-US" dirty="0" smtClean="0"/>
           </a:p>
           <a:p>
             <a:pPr lvl="1"/>
             <a:r>
+              <a:rPr lang="fa-IR" altLang="en-US" dirty="0" smtClean="0"/>
+              <a:t>غیرفعال کردن </a:t>
+            </a:r>
+            <a:r>
+              <a:rPr lang="en-US" altLang="en-US" dirty="0" smtClean="0"/>
+              <a:t>Reset</a:t>
+            </a:r>
+            <a:r>
               <a:rPr lang="fa-IR" altLang="en-US" smtClean="0"/>
-              <a:t>غیرفعال کردن </a:t>
-            </a:r>
-            <a:r>
-              <a:rPr lang="en-US" altLang="en-US" smtClean="0"/>
-              <a:t>Reset</a:t>
+              <a:t> ناهمگام باید </a:t>
             </a:r>
             <a:r>
               <a:rPr lang="fa-IR" altLang="en-US" smtClean="0"/>
-              <a:t> ناهمگام باید همگام شود</a:t>
+              <a:t>با کلاک همگام </a:t>
+            </a:r>
+            <a:r>
+              <a:rPr lang="fa-IR" altLang="en-US" smtClean="0"/>
+              <a:t>شود</a:t>
             </a:r>
           </a:p>
           <a:p>
             <a:pPr lvl="1"/>
             <a:r>
-              <a:rPr lang="fa-IR" altLang="en-US" smtClean="0"/>
+              <a:rPr lang="fa-IR" altLang="en-US" dirty="0" smtClean="0"/>
               <a:t>احتمال تخلف محدودیت‌های </a:t>
             </a:r>
             <a:r>
-              <a:rPr lang="en-US" altLang="en-US" smtClean="0"/>
+              <a:rPr lang="en-US" altLang="en-US" dirty="0" smtClean="0"/>
               <a:t>set-up</a:t>
             </a:r>
             <a:r>
-              <a:rPr lang="fa-IR" altLang="en-US" smtClean="0"/>
+              <a:rPr lang="fa-IR" altLang="en-US" dirty="0" smtClean="0"/>
               <a:t> و </a:t>
             </a:r>
             <a:r>
-              <a:rPr lang="en-US" altLang="en-US" smtClean="0"/>
+              <a:rPr lang="en-US" altLang="en-US" dirty="0" smtClean="0"/>
               <a:t>hold</a:t>
             </a:r>
             <a:r>
-              <a:rPr lang="fa-IR" altLang="en-US" smtClean="0"/>
+              <a:rPr lang="fa-IR" altLang="en-US" dirty="0" smtClean="0"/>
               <a:t> در زمان غیرفعال کردن </a:t>
             </a:r>
             <a:r>
-              <a:rPr lang="en-US" altLang="en-US" smtClean="0"/>
+              <a:rPr lang="en-US" altLang="en-US" dirty="0" smtClean="0"/>
               <a:t>reset</a:t>
             </a:r>
             <a:r>
-              <a:rPr lang="fa-IR" altLang="en-US" smtClean="0"/>
+              <a:rPr lang="fa-IR" altLang="en-US" dirty="0" smtClean="0"/>
               <a:t> ناهمگام</a:t>
             </a:r>
           </a:p>
           <a:p>
             <a:pPr lvl="2"/>
             <a:r>
-              <a:rPr lang="fa-IR" altLang="en-US" smtClean="0">
+              <a:rPr lang="fa-IR" altLang="en-US" dirty="0" smtClean="0">
                 <a:sym typeface="Wingdings" panose="05000000000000000000" pitchFamily="2" charset="2"/>
               </a:rPr>
               <a:t> حالت </a:t>
             </a:r>
             <a:r>
-              <a:rPr lang="en-US" altLang="en-US" smtClean="0">
+              <a:rPr lang="en-US" altLang="en-US" dirty="0" smtClean="0">
                 <a:sym typeface="Wingdings" panose="05000000000000000000" pitchFamily="2" charset="2"/>
               </a:rPr>
               <a:t>meta-stable</a:t>
             </a:r>
-            <a:endParaRPr lang="fa-IR" altLang="en-US" smtClean="0"/>
+            <a:endParaRPr lang="fa-IR" altLang="en-US" dirty="0" smtClean="0"/>
           </a:p>
           <a:p>
             <a:pPr lvl="2"/>
-            <a:endParaRPr lang="fa-IR" altLang="en-US" smtClean="0"/>
+            <a:endParaRPr lang="fa-IR" altLang="en-US" dirty="0" smtClean="0"/>
           </a:p>
           <a:p>
             <a:pPr lvl="1"/>
-            <a:endParaRPr lang="fa-IR" altLang="en-US" smtClean="0"/>
+            <a:endParaRPr lang="fa-IR" altLang="en-US" dirty="0" smtClean="0"/>
           </a:p>
           <a:p>
             <a:pPr lvl="2"/>
-            <a:endParaRPr lang="fa-IR" altLang="en-US" smtClean="0"/>
+            <a:endParaRPr lang="fa-IR" altLang="en-US" dirty="0" smtClean="0"/>
           </a:p>
           <a:p>
             <a:pPr lvl="2"/>
-            <a:endParaRPr lang="en-US" altLang="en-US" smtClean="0"/>
+            <a:endParaRPr lang="en-US" altLang="en-US" dirty="0" smtClean="0"/>
           </a:p>
         </p:txBody>
       </p:sp>
@@ -32235,15 +32243,7 @@
             </a:r>
             <a:r>
               <a:rPr lang="en-US" altLang="en-US" dirty="0" smtClean="0"/>
-              <a:t> </a:t>
-            </a:r>
-            <a:r>
-              <a:rPr lang="en-US" altLang="en-US" dirty="0" smtClean="0"/>
-              <a:t>= </a:t>
-            </a:r>
-            <a:r>
-              <a:rPr lang="en-US" altLang="en-US" dirty="0" smtClean="0"/>
-              <a:t>2</a:t>
+              <a:t> = 2</a:t>
             </a:r>
             <a:r>
               <a:rPr lang="en-US" altLang="en-US" baseline="30000" dirty="0" smtClean="0"/>
@@ -32259,11 +32259,7 @@
             </a:r>
             <a:r>
               <a:rPr lang="en-US" altLang="en-US" baseline="30000" smtClean="0"/>
-              <a:t>Ns </a:t>
-            </a:r>
-            <a:r>
-              <a:rPr lang="en-US" altLang="en-US" baseline="30000" smtClean="0"/>
-              <a:t>⌉</a:t>
+              <a:t>Ns ⌉</a:t>
             </a:r>
             <a:r>
               <a:rPr lang="en-US" altLang="en-US"/>
